--- a/4.Networking/6.Transport Layer/Ports.pptx
+++ b/4.Networking/6.Transport Layer/Ports.pptx
@@ -7,6 +7,9 @@
   <p:sldIdLst>
     <p:sldId id="256" r:id="rId2"/>
     <p:sldId id="257" r:id="rId3"/>
+    <p:sldId id="258" r:id="rId4"/>
+    <p:sldId id="259" r:id="rId5"/>
+    <p:sldId id="260" r:id="rId6"/>
   </p:sldIdLst>
   <p:sldSz cx="12192000" cy="6858000"/>
   <p:notesSz cx="6858000" cy="9144000"/>
@@ -105,6 +108,11 @@
       </a:defRPr>
     </a:lvl9pPr>
   </p:defaultTextStyle>
+  <p:extLst>
+    <p:ext uri="{EFAFB233-063F-42B5-8137-9DF3F51BA10A}">
+      <p15:sldGuideLst xmlns:p15="http://schemas.microsoft.com/office/powerpoint/2012/main"/>
+    </p:ext>
+  </p:extLst>
 </p:presentation>
 </file>
 
@@ -255,7 +263,7 @@
           <a:p>
             <a:fld id="{57877388-F1BB-4A36-8B58-97D0C77BAE08}" type="datetimeFigureOut">
               <a:rPr lang="en-US" smtClean="0"/>
-              <a:t>9/21/2020</a:t>
+              <a:t>11/8/2023</a:t>
             </a:fld>
             <a:endParaRPr lang="en-US"/>
           </a:p>
@@ -453,7 +461,7 @@
           <a:p>
             <a:fld id="{57877388-F1BB-4A36-8B58-97D0C77BAE08}" type="datetimeFigureOut">
               <a:rPr lang="en-US" smtClean="0"/>
-              <a:t>9/21/2020</a:t>
+              <a:t>11/8/2023</a:t>
             </a:fld>
             <a:endParaRPr lang="en-US"/>
           </a:p>
@@ -661,7 +669,7 @@
           <a:p>
             <a:fld id="{57877388-F1BB-4A36-8B58-97D0C77BAE08}" type="datetimeFigureOut">
               <a:rPr lang="en-US" smtClean="0"/>
-              <a:t>9/21/2020</a:t>
+              <a:t>11/8/2023</a:t>
             </a:fld>
             <a:endParaRPr lang="en-US"/>
           </a:p>
@@ -859,7 +867,7 @@
           <a:p>
             <a:fld id="{57877388-F1BB-4A36-8B58-97D0C77BAE08}" type="datetimeFigureOut">
               <a:rPr lang="en-US" smtClean="0"/>
-              <a:t>9/21/2020</a:t>
+              <a:t>11/8/2023</a:t>
             </a:fld>
             <a:endParaRPr lang="en-US"/>
           </a:p>
@@ -1134,7 +1142,7 @@
           <a:p>
             <a:fld id="{57877388-F1BB-4A36-8B58-97D0C77BAE08}" type="datetimeFigureOut">
               <a:rPr lang="en-US" smtClean="0"/>
-              <a:t>9/21/2020</a:t>
+              <a:t>11/8/2023</a:t>
             </a:fld>
             <a:endParaRPr lang="en-US"/>
           </a:p>
@@ -1399,7 +1407,7 @@
           <a:p>
             <a:fld id="{57877388-F1BB-4A36-8B58-97D0C77BAE08}" type="datetimeFigureOut">
               <a:rPr lang="en-US" smtClean="0"/>
-              <a:t>9/21/2020</a:t>
+              <a:t>11/8/2023</a:t>
             </a:fld>
             <a:endParaRPr lang="en-US"/>
           </a:p>
@@ -1811,7 +1819,7 @@
           <a:p>
             <a:fld id="{57877388-F1BB-4A36-8B58-97D0C77BAE08}" type="datetimeFigureOut">
               <a:rPr lang="en-US" smtClean="0"/>
-              <a:t>9/21/2020</a:t>
+              <a:t>11/8/2023</a:t>
             </a:fld>
             <a:endParaRPr lang="en-US"/>
           </a:p>
@@ -1952,7 +1960,7 @@
           <a:p>
             <a:fld id="{57877388-F1BB-4A36-8B58-97D0C77BAE08}" type="datetimeFigureOut">
               <a:rPr lang="en-US" smtClean="0"/>
-              <a:t>9/21/2020</a:t>
+              <a:t>11/8/2023</a:t>
             </a:fld>
             <a:endParaRPr lang="en-US"/>
           </a:p>
@@ -2065,7 +2073,7 @@
           <a:p>
             <a:fld id="{57877388-F1BB-4A36-8B58-97D0C77BAE08}" type="datetimeFigureOut">
               <a:rPr lang="en-US" smtClean="0"/>
-              <a:t>9/21/2020</a:t>
+              <a:t>11/8/2023</a:t>
             </a:fld>
             <a:endParaRPr lang="en-US"/>
           </a:p>
@@ -2376,7 +2384,7 @@
           <a:p>
             <a:fld id="{57877388-F1BB-4A36-8B58-97D0C77BAE08}" type="datetimeFigureOut">
               <a:rPr lang="en-US" smtClean="0"/>
-              <a:t>9/21/2020</a:t>
+              <a:t>11/8/2023</a:t>
             </a:fld>
             <a:endParaRPr lang="en-US"/>
           </a:p>
@@ -2664,7 +2672,7 @@
           <a:p>
             <a:fld id="{57877388-F1BB-4A36-8B58-97D0C77BAE08}" type="datetimeFigureOut">
               <a:rPr lang="en-US" smtClean="0"/>
-              <a:t>9/21/2020</a:t>
+              <a:t>11/8/2023</a:t>
             </a:fld>
             <a:endParaRPr lang="en-US"/>
           </a:p>
@@ -2905,7 +2913,7 @@
           <a:p>
             <a:fld id="{57877388-F1BB-4A36-8B58-97D0C77BAE08}" type="datetimeFigureOut">
               <a:rPr lang="en-US" smtClean="0"/>
-              <a:t>9/21/2020</a:t>
+              <a:t>11/8/2023</a:t>
             </a:fld>
             <a:endParaRPr lang="en-US"/>
           </a:p>
@@ -4485,6 +4493,319 @@
 </p:sld>
 </file>
 
+<file path=ppt/slides/slide3.xml><?xml version="1.0" encoding="utf-8"?>
+<p:sld xmlns:a="http://schemas.openxmlformats.org/drawingml/2006/main" xmlns:r="http://schemas.openxmlformats.org/officeDocument/2006/relationships" xmlns:p="http://schemas.openxmlformats.org/presentationml/2006/main">
+  <p:cSld>
+    <p:spTree>
+      <p:nvGrpSpPr>
+        <p:cNvPr id="1" name=""/>
+        <p:cNvGrpSpPr/>
+        <p:nvPr/>
+      </p:nvGrpSpPr>
+      <p:grpSpPr>
+        <a:xfrm>
+          <a:off x="0" y="0"/>
+          <a:ext cx="0" cy="0"/>
+          <a:chOff x="0" y="0"/>
+          <a:chExt cx="0" cy="0"/>
+        </a:xfrm>
+      </p:grpSpPr>
+      <p:sp>
+        <p:nvSpPr>
+          <p:cNvPr id="2" name="Title 1">
+            <a:extLst>
+              <a:ext uri="{FF2B5EF4-FFF2-40B4-BE49-F238E27FC236}">
+                <a16:creationId xmlns:a16="http://schemas.microsoft.com/office/drawing/2014/main" id="{6730C209-AA97-218D-3BD0-D6F7227CC4E5}"/>
+              </a:ext>
+            </a:extLst>
+          </p:cNvPr>
+          <p:cNvSpPr>
+            <a:spLocks noGrp="1"/>
+          </p:cNvSpPr>
+          <p:nvPr>
+            <p:ph type="title"/>
+          </p:nvPr>
+        </p:nvSpPr>
+        <p:spPr/>
+        <p:txBody>
+          <a:bodyPr/>
+          <a:lstStyle/>
+          <a:p>
+            <a:r>
+              <a:rPr lang="en-US" dirty="0"/>
+              <a:t>TCP and UDP headers</a:t>
+            </a:r>
+          </a:p>
+        </p:txBody>
+      </p:sp>
+      <p:pic>
+        <p:nvPicPr>
+          <p:cNvPr id="5" name="Picture 4">
+            <a:extLst>
+              <a:ext uri="{FF2B5EF4-FFF2-40B4-BE49-F238E27FC236}">
+                <a16:creationId xmlns:a16="http://schemas.microsoft.com/office/drawing/2014/main" id="{1074E3E3-D6B5-FF83-4471-C79DD86E651F}"/>
+              </a:ext>
+            </a:extLst>
+          </p:cNvPr>
+          <p:cNvPicPr>
+            <a:picLocks noChangeAspect="1"/>
+          </p:cNvPicPr>
+          <p:nvPr/>
+        </p:nvPicPr>
+        <p:blipFill>
+          <a:blip r:embed="rId2"/>
+          <a:stretch>
+            <a:fillRect/>
+          </a:stretch>
+        </p:blipFill>
+        <p:spPr>
+          <a:xfrm>
+            <a:off x="838199" y="1466153"/>
+            <a:ext cx="4051247" cy="4304451"/>
+          </a:xfrm>
+          <a:prstGeom prst="rect">
+            <a:avLst/>
+          </a:prstGeom>
+        </p:spPr>
+      </p:pic>
+      <p:pic>
+        <p:nvPicPr>
+          <p:cNvPr id="7" name="Picture 6">
+            <a:extLst>
+              <a:ext uri="{FF2B5EF4-FFF2-40B4-BE49-F238E27FC236}">
+                <a16:creationId xmlns:a16="http://schemas.microsoft.com/office/drawing/2014/main" id="{6D71FF31-0F1D-53EA-8D34-0174FE8962B1}"/>
+              </a:ext>
+            </a:extLst>
+          </p:cNvPr>
+          <p:cNvPicPr>
+            <a:picLocks noChangeAspect="1"/>
+          </p:cNvPicPr>
+          <p:nvPr/>
+        </p:nvPicPr>
+        <p:blipFill>
+          <a:blip r:embed="rId3"/>
+          <a:stretch>
+            <a:fillRect/>
+          </a:stretch>
+        </p:blipFill>
+        <p:spPr>
+          <a:xfrm>
+            <a:off x="5537198" y="1466152"/>
+            <a:ext cx="4051247" cy="4082409"/>
+          </a:xfrm>
+          <a:prstGeom prst="rect">
+            <a:avLst/>
+          </a:prstGeom>
+        </p:spPr>
+      </p:pic>
+    </p:spTree>
+    <p:extLst>
+      <p:ext uri="{BB962C8B-B14F-4D97-AF65-F5344CB8AC3E}">
+        <p14:creationId xmlns:p14="http://schemas.microsoft.com/office/powerpoint/2010/main" val="953204790"/>
+      </p:ext>
+    </p:extLst>
+  </p:cSld>
+  <p:clrMapOvr>
+    <a:masterClrMapping/>
+  </p:clrMapOvr>
+</p:sld>
+</file>
+
+<file path=ppt/slides/slide4.xml><?xml version="1.0" encoding="utf-8"?>
+<p:sld xmlns:a="http://schemas.openxmlformats.org/drawingml/2006/main" xmlns:r="http://schemas.openxmlformats.org/officeDocument/2006/relationships" xmlns:p="http://schemas.openxmlformats.org/presentationml/2006/main">
+  <p:cSld>
+    <p:spTree>
+      <p:nvGrpSpPr>
+        <p:cNvPr id="1" name=""/>
+        <p:cNvGrpSpPr/>
+        <p:nvPr/>
+      </p:nvGrpSpPr>
+      <p:grpSpPr>
+        <a:xfrm>
+          <a:off x="0" y="0"/>
+          <a:ext cx="0" cy="0"/>
+          <a:chOff x="0" y="0"/>
+          <a:chExt cx="0" cy="0"/>
+        </a:xfrm>
+      </p:grpSpPr>
+      <p:pic>
+        <p:nvPicPr>
+          <p:cNvPr id="2050" name="Picture 2">
+            <a:extLst>
+              <a:ext uri="{FF2B5EF4-FFF2-40B4-BE49-F238E27FC236}">
+                <a16:creationId xmlns:a16="http://schemas.microsoft.com/office/drawing/2014/main" id="{133E916B-DCEF-F2B7-79D5-4A44EA1A7704}"/>
+              </a:ext>
+            </a:extLst>
+          </p:cNvPr>
+          <p:cNvPicPr>
+            <a:picLocks noChangeAspect="1" noChangeArrowheads="1"/>
+          </p:cNvPicPr>
+          <p:nvPr/>
+        </p:nvPicPr>
+        <p:blipFill>
+          <a:blip r:embed="rId2">
+            <a:extLst>
+              <a:ext uri="{28A0092B-C50C-407E-A947-70E740481C1C}">
+                <a14:useLocalDpi xmlns:a14="http://schemas.microsoft.com/office/drawing/2010/main" val="0"/>
+              </a:ext>
+            </a:extLst>
+          </a:blip>
+          <a:srcRect/>
+          <a:stretch>
+            <a:fillRect/>
+          </a:stretch>
+        </p:blipFill>
+        <p:spPr bwMode="auto">
+          <a:xfrm>
+            <a:off x="3629887" y="274320"/>
+            <a:ext cx="4489577" cy="6309360"/>
+          </a:xfrm>
+          <a:prstGeom prst="rect">
+            <a:avLst/>
+          </a:prstGeom>
+          <a:noFill/>
+          <a:extLst>
+            <a:ext uri="{909E8E84-426E-40DD-AFC4-6F175D3DCCD1}">
+              <a14:hiddenFill xmlns:a14="http://schemas.microsoft.com/office/drawing/2010/main">
+                <a:solidFill>
+                  <a:srgbClr val="FFFFFF"/>
+                </a:solidFill>
+              </a14:hiddenFill>
+            </a:ext>
+          </a:extLst>
+        </p:spPr>
+      </p:pic>
+      <p:sp>
+        <p:nvSpPr>
+          <p:cNvPr id="4" name="TextBox 3">
+            <a:extLst>
+              <a:ext uri="{FF2B5EF4-FFF2-40B4-BE49-F238E27FC236}">
+                <a16:creationId xmlns:a16="http://schemas.microsoft.com/office/drawing/2014/main" id="{6F3894A4-DCB7-DDC4-BB76-0454AFE548C7}"/>
+              </a:ext>
+            </a:extLst>
+          </p:cNvPr>
+          <p:cNvSpPr txBox="1"/>
+          <p:nvPr/>
+        </p:nvSpPr>
+        <p:spPr>
+          <a:xfrm>
+            <a:off x="274320" y="535577"/>
+            <a:ext cx="2939143" cy="2246769"/>
+          </a:xfrm>
+          <a:prstGeom prst="rect">
+            <a:avLst/>
+          </a:prstGeom>
+          <a:noFill/>
+        </p:spPr>
+        <p:txBody>
+          <a:bodyPr wrap="square" rtlCol="0">
+            <a:spAutoFit/>
+          </a:bodyPr>
+          <a:lstStyle/>
+          <a:p>
+            <a:r>
+              <a:rPr lang="en-US" sz="2800" dirty="0"/>
+              <a:t>TCP Sequence and Acknowledgement numbers</a:t>
+            </a:r>
+          </a:p>
+          <a:p>
+            <a:r>
+              <a:rPr lang="en-US" sz="2800" dirty="0"/>
+              <a:t>(only showing one direction)</a:t>
+            </a:r>
+          </a:p>
+        </p:txBody>
+      </p:sp>
+    </p:spTree>
+    <p:extLst>
+      <p:ext uri="{BB962C8B-B14F-4D97-AF65-F5344CB8AC3E}">
+        <p14:creationId xmlns:p14="http://schemas.microsoft.com/office/powerpoint/2010/main" val="854527809"/>
+      </p:ext>
+    </p:extLst>
+  </p:cSld>
+  <p:clrMapOvr>
+    <a:masterClrMapping/>
+  </p:clrMapOvr>
+</p:sld>
+</file>
+
+<file path=ppt/slides/slide5.xml><?xml version="1.0" encoding="utf-8"?>
+<p:sld xmlns:a="http://schemas.openxmlformats.org/drawingml/2006/main" xmlns:r="http://schemas.openxmlformats.org/officeDocument/2006/relationships" xmlns:p="http://schemas.openxmlformats.org/presentationml/2006/main">
+  <p:cSld>
+    <p:spTree>
+      <p:nvGrpSpPr>
+        <p:cNvPr id="1" name=""/>
+        <p:cNvGrpSpPr/>
+        <p:nvPr/>
+      </p:nvGrpSpPr>
+      <p:grpSpPr>
+        <a:xfrm>
+          <a:off x="0" y="0"/>
+          <a:ext cx="0" cy="0"/>
+          <a:chOff x="0" y="0"/>
+          <a:chExt cx="0" cy="0"/>
+        </a:xfrm>
+      </p:grpSpPr>
+      <p:pic>
+        <p:nvPicPr>
+          <p:cNvPr id="3074" name="Picture 2">
+            <a:extLst>
+              <a:ext uri="{FF2B5EF4-FFF2-40B4-BE49-F238E27FC236}">
+                <a16:creationId xmlns:a16="http://schemas.microsoft.com/office/drawing/2014/main" id="{ADFB1D44-B154-70E2-9A7D-F27D0980F5D1}"/>
+              </a:ext>
+            </a:extLst>
+          </p:cNvPr>
+          <p:cNvPicPr>
+            <a:picLocks noChangeAspect="1" noChangeArrowheads="1"/>
+          </p:cNvPicPr>
+          <p:nvPr/>
+        </p:nvPicPr>
+        <p:blipFill>
+          <a:blip r:embed="rId2">
+            <a:extLst>
+              <a:ext uri="{28A0092B-C50C-407E-A947-70E740481C1C}">
+                <a14:useLocalDpi xmlns:a14="http://schemas.microsoft.com/office/drawing/2010/main" val="0"/>
+              </a:ext>
+            </a:extLst>
+          </a:blip>
+          <a:srcRect/>
+          <a:stretch>
+            <a:fillRect/>
+          </a:stretch>
+        </p:blipFill>
+        <p:spPr bwMode="auto">
+          <a:xfrm>
+            <a:off x="1524000" y="0"/>
+            <a:ext cx="9144000" cy="6858000"/>
+          </a:xfrm>
+          <a:prstGeom prst="rect">
+            <a:avLst/>
+          </a:prstGeom>
+          <a:noFill/>
+          <a:extLst>
+            <a:ext uri="{909E8E84-426E-40DD-AFC4-6F175D3DCCD1}">
+              <a14:hiddenFill xmlns:a14="http://schemas.microsoft.com/office/drawing/2010/main">
+                <a:solidFill>
+                  <a:srgbClr val="FFFFFF"/>
+                </a:solidFill>
+              </a14:hiddenFill>
+            </a:ext>
+          </a:extLst>
+        </p:spPr>
+      </p:pic>
+    </p:spTree>
+    <p:extLst>
+      <p:ext uri="{BB962C8B-B14F-4D97-AF65-F5344CB8AC3E}">
+        <p14:creationId xmlns:p14="http://schemas.microsoft.com/office/powerpoint/2010/main" val="3784280919"/>
+      </p:ext>
+    </p:extLst>
+  </p:cSld>
+  <p:clrMapOvr>
+    <a:masterClrMapping/>
+  </p:clrMapOvr>
+</p:sld>
+</file>
+
 <file path=ppt/theme/theme1.xml><?xml version="1.0" encoding="utf-8"?>
 <a:theme xmlns:a="http://schemas.openxmlformats.org/drawingml/2006/main" name="Office Theme">
   <a:themeElements>
